--- a/추가예제/1반/테이블 그래프.pptx
+++ b/추가예제/1반/테이블 그래프.pptx
@@ -7,6 +7,7 @@
   <p:sldIdLst>
     <p:sldId id="257" r:id="rId2"/>
     <p:sldId id="258" r:id="rId3"/>
+    <p:sldId id="259" r:id="rId4"/>
   </p:sldIdLst>
   <p:sldSz cx="12192000" cy="6858000"/>
   <p:notesSz cx="6858000" cy="9144000"/>
@@ -3232,7 +3233,7 @@
         </p:blipFill>
         <p:spPr>
           <a:xfrm>
-            <a:off x="3126279" y="605869"/>
+            <a:off x="3126279" y="1148125"/>
             <a:ext cx="4474193" cy="2231034"/>
           </a:xfrm>
           <a:prstGeom prst="rect">
@@ -3256,7 +3257,7 @@
         </p:blipFill>
         <p:spPr>
           <a:xfrm>
-            <a:off x="7903850" y="605869"/>
+            <a:off x="7903850" y="1148125"/>
             <a:ext cx="3827002" cy="1669498"/>
           </a:xfrm>
           <a:prstGeom prst="rect">
@@ -3280,7 +3281,7 @@
         </p:blipFill>
         <p:spPr>
           <a:xfrm>
-            <a:off x="333793" y="605869"/>
+            <a:off x="333793" y="1148125"/>
             <a:ext cx="2489108" cy="1238423"/>
           </a:xfrm>
           <a:prstGeom prst="rect">
@@ -3304,7 +3305,7 @@
         </p:blipFill>
         <p:spPr>
           <a:xfrm>
-            <a:off x="334671" y="3778823"/>
+            <a:off x="334671" y="4321079"/>
             <a:ext cx="4694191" cy="2100981"/>
           </a:xfrm>
           <a:prstGeom prst="rect">
@@ -3328,7 +3329,7 @@
         </p:blipFill>
         <p:spPr>
           <a:xfrm>
-            <a:off x="5366211" y="3778823"/>
+            <a:off x="5366211" y="4321079"/>
             <a:ext cx="3676073" cy="1186581"/>
           </a:xfrm>
           <a:prstGeom prst="rect">
@@ -3344,7 +3345,7 @@
         </p:nvSpPr>
         <p:spPr>
           <a:xfrm>
-            <a:off x="333793" y="236537"/>
+            <a:off x="333793" y="778793"/>
             <a:ext cx="1253548" cy="369332"/>
           </a:xfrm>
           <a:prstGeom prst="rect">
@@ -3374,7 +3375,7 @@
         </p:nvSpPr>
         <p:spPr>
           <a:xfrm>
-            <a:off x="3126280" y="236537"/>
+            <a:off x="3126280" y="778793"/>
             <a:ext cx="1404167" cy="369332"/>
           </a:xfrm>
           <a:prstGeom prst="rect">
@@ -3404,7 +3405,7 @@
         </p:nvSpPr>
         <p:spPr>
           <a:xfrm>
-            <a:off x="7859281" y="236537"/>
+            <a:off x="7859281" y="778793"/>
             <a:ext cx="846707" cy="369332"/>
           </a:xfrm>
           <a:prstGeom prst="rect">
@@ -3434,7 +3435,7 @@
         </p:nvSpPr>
         <p:spPr>
           <a:xfrm>
-            <a:off x="263224" y="3335849"/>
+            <a:off x="263224" y="3878105"/>
             <a:ext cx="1099916" cy="369332"/>
           </a:xfrm>
           <a:prstGeom prst="rect">
@@ -3464,7 +3465,7 @@
         </p:nvSpPr>
         <p:spPr>
           <a:xfrm>
-            <a:off x="5366211" y="3335849"/>
+            <a:off x="5366211" y="3878105"/>
             <a:ext cx="723340" cy="369332"/>
           </a:xfrm>
           <a:prstGeom prst="rect">
@@ -3494,7 +3495,7 @@
         </p:nvSpPr>
         <p:spPr>
           <a:xfrm>
-            <a:off x="2822901" y="3778823"/>
+            <a:off x="2822901" y="4321079"/>
             <a:ext cx="802801" cy="304079"/>
           </a:xfrm>
           <a:prstGeom prst="rect">
@@ -3542,7 +3543,7 @@
         </p:nvSpPr>
         <p:spPr>
           <a:xfrm>
-            <a:off x="752642" y="605869"/>
+            <a:off x="752642" y="1148125"/>
             <a:ext cx="802801" cy="304079"/>
           </a:xfrm>
           <a:prstGeom prst="rect">
@@ -3590,7 +3591,7 @@
         </p:nvSpPr>
         <p:spPr>
           <a:xfrm>
-            <a:off x="1042117" y="914400"/>
+            <a:off x="1042117" y="1456656"/>
             <a:ext cx="1764878" cy="2860158"/>
           </a:xfrm>
           <a:custGeom>
@@ -3675,7 +3676,7 @@
         </p:nvSpPr>
         <p:spPr>
           <a:xfrm>
-            <a:off x="8986063" y="608865"/>
+            <a:off x="8986063" y="1151121"/>
             <a:ext cx="678933" cy="301083"/>
           </a:xfrm>
           <a:prstGeom prst="rect">
@@ -3723,7 +3724,7 @@
         </p:nvSpPr>
         <p:spPr>
           <a:xfrm>
-            <a:off x="5674718" y="3780320"/>
+            <a:off x="5674718" y="4322576"/>
             <a:ext cx="678933" cy="301083"/>
           </a:xfrm>
           <a:prstGeom prst="rect">
@@ -3771,7 +3772,7 @@
         </p:nvCxnSpPr>
         <p:spPr>
           <a:xfrm flipH="1">
-            <a:off x="6353651" y="909948"/>
+            <a:off x="6353651" y="1452204"/>
             <a:ext cx="2688633" cy="2795233"/>
           </a:xfrm>
           <a:prstGeom prst="straightConnector1">
@@ -3807,7 +3808,7 @@
         </p:nvSpPr>
         <p:spPr>
           <a:xfrm>
-            <a:off x="4443348" y="669666"/>
+            <a:off x="4443348" y="1211922"/>
             <a:ext cx="678933" cy="301083"/>
           </a:xfrm>
           <a:prstGeom prst="rect">
@@ -3855,7 +3856,7 @@
         </p:nvSpPr>
         <p:spPr>
           <a:xfrm>
-            <a:off x="5228350" y="669665"/>
+            <a:off x="5228350" y="1211921"/>
             <a:ext cx="676879" cy="301084"/>
           </a:xfrm>
           <a:prstGeom prst="rect">
@@ -3903,7 +3904,7 @@
         </p:nvSpPr>
         <p:spPr>
           <a:xfrm>
-            <a:off x="8252055" y="610530"/>
+            <a:off x="8252055" y="1152786"/>
             <a:ext cx="678933" cy="301083"/>
           </a:xfrm>
           <a:prstGeom prst="rect">
@@ -3951,7 +3952,7 @@
         </p:nvSpPr>
         <p:spPr>
           <a:xfrm>
-            <a:off x="4733365" y="255292"/>
+            <a:off x="4733365" y="797548"/>
             <a:ext cx="3590364" cy="390167"/>
           </a:xfrm>
           <a:custGeom>
@@ -4037,7 +4038,7 @@
         </p:nvCxnSpPr>
         <p:spPr>
           <a:xfrm flipH="1">
-            <a:off x="1154042" y="970749"/>
+            <a:off x="1154042" y="1513005"/>
             <a:ext cx="4520676" cy="2803809"/>
           </a:xfrm>
           <a:prstGeom prst="straightConnector1">
@@ -4074,7 +4075,7 @@
         </p:nvSpPr>
         <p:spPr>
           <a:xfrm>
-            <a:off x="684207" y="3772506"/>
+            <a:off x="684207" y="4314762"/>
             <a:ext cx="735534" cy="301083"/>
           </a:xfrm>
           <a:prstGeom prst="rect">
@@ -4114,10 +4115,1240 @@
           </a:p>
         </p:txBody>
       </p:sp>
+      <p:sp>
+        <p:nvSpPr>
+          <p:cNvPr id="28" name="TextBox 27"/>
+          <p:cNvSpPr txBox="1"/>
+          <p:nvPr/>
+        </p:nvSpPr>
+        <p:spPr>
+          <a:xfrm>
+            <a:off x="301895" y="213229"/>
+            <a:ext cx="1104790" cy="369332"/>
+          </a:xfrm>
+          <a:prstGeom prst="rect">
+            <a:avLst/>
+          </a:prstGeom>
+          <a:noFill/>
+        </p:spPr>
+        <p:txBody>
+          <a:bodyPr wrap="none" rtlCol="0">
+            <a:spAutoFit/>
+          </a:bodyPr>
+          <a:lstStyle/>
+          <a:p>
+            <a:r>
+              <a:rPr lang="en-US" altLang="ko-KR" b="1" dirty="0" err="1" smtClean="0"/>
+              <a:t>shop_db</a:t>
+            </a:r>
+            <a:endParaRPr lang="ko-KR" altLang="en-US" b="1" dirty="0"/>
+          </a:p>
+        </p:txBody>
+      </p:sp>
     </p:spTree>
     <p:extLst>
       <p:ext uri="{BB962C8B-B14F-4D97-AF65-F5344CB8AC3E}">
         <p14:creationId xmlns:p14="http://schemas.microsoft.com/office/powerpoint/2010/main" val="2450368238"/>
+      </p:ext>
+    </p:extLst>
+  </p:cSld>
+  <p:clrMapOvr>
+    <a:masterClrMapping/>
+  </p:clrMapOvr>
+</p:sld>
+</file>
+
+<file path=ppt/slides/slide3.xml><?xml version="1.0" encoding="utf-8"?>
+<p:sld xmlns:a="http://schemas.openxmlformats.org/drawingml/2006/main" xmlns:r="http://schemas.openxmlformats.org/officeDocument/2006/relationships" xmlns:p="http://schemas.openxmlformats.org/presentationml/2006/main">
+  <p:cSld>
+    <p:spTree>
+      <p:nvGrpSpPr>
+        <p:cNvPr id="1" name=""/>
+        <p:cNvGrpSpPr/>
+        <p:nvPr/>
+      </p:nvGrpSpPr>
+      <p:grpSpPr>
+        <a:xfrm>
+          <a:off x="0" y="0"/>
+          <a:ext cx="0" cy="0"/>
+          <a:chOff x="0" y="0"/>
+          <a:chExt cx="0" cy="0"/>
+        </a:xfrm>
+      </p:grpSpPr>
+      <p:sp>
+        <p:nvSpPr>
+          <p:cNvPr id="10" name="TextBox 9"/>
+          <p:cNvSpPr txBox="1"/>
+          <p:nvPr/>
+        </p:nvSpPr>
+        <p:spPr>
+          <a:xfrm>
+            <a:off x="333793" y="778793"/>
+            <a:ext cx="1253548" cy="369332"/>
+          </a:xfrm>
+          <a:prstGeom prst="rect">
+            <a:avLst/>
+          </a:prstGeom>
+          <a:noFill/>
+        </p:spPr>
+        <p:txBody>
+          <a:bodyPr wrap="none" rtlCol="0">
+            <a:spAutoFit/>
+          </a:bodyPr>
+          <a:lstStyle/>
+          <a:p>
+            <a:r>
+              <a:rPr lang="en-US" altLang="ko-KR" dirty="0"/>
+              <a:t>customers</a:t>
+            </a:r>
+            <a:endParaRPr lang="ko-KR" altLang="en-US" dirty="0"/>
+          </a:p>
+        </p:txBody>
+      </p:sp>
+      <p:sp>
+        <p:nvSpPr>
+          <p:cNvPr id="28" name="TextBox 27"/>
+          <p:cNvSpPr txBox="1"/>
+          <p:nvPr/>
+        </p:nvSpPr>
+        <p:spPr>
+          <a:xfrm>
+            <a:off x="301895" y="213229"/>
+            <a:ext cx="1055097" cy="369332"/>
+          </a:xfrm>
+          <a:prstGeom prst="rect">
+            <a:avLst/>
+          </a:prstGeom>
+          <a:noFill/>
+        </p:spPr>
+        <p:txBody>
+          <a:bodyPr wrap="none" rtlCol="0">
+            <a:spAutoFit/>
+          </a:bodyPr>
+          <a:lstStyle/>
+          <a:p>
+            <a:r>
+              <a:rPr lang="en-US" altLang="ko-KR" b="1" dirty="0" err="1" smtClean="0"/>
+              <a:t>myshop</a:t>
+            </a:r>
+            <a:endParaRPr lang="ko-KR" altLang="en-US" b="1" dirty="0"/>
+          </a:p>
+        </p:txBody>
+      </p:sp>
+      <p:pic>
+        <p:nvPicPr>
+          <p:cNvPr id="2" name="그림 1"/>
+          <p:cNvPicPr>
+            <a:picLocks noChangeAspect="1"/>
+          </p:cNvPicPr>
+          <p:nvPr/>
+        </p:nvPicPr>
+        <p:blipFill>
+          <a:blip r:embed="rId2"/>
+          <a:stretch>
+            <a:fillRect/>
+          </a:stretch>
+        </p:blipFill>
+        <p:spPr>
+          <a:xfrm>
+            <a:off x="333792" y="1148125"/>
+            <a:ext cx="4515741" cy="1935317"/>
+          </a:xfrm>
+          <a:prstGeom prst="rect">
+            <a:avLst/>
+          </a:prstGeom>
+        </p:spPr>
+      </p:pic>
+      <p:pic>
+        <p:nvPicPr>
+          <p:cNvPr id="3" name="그림 2"/>
+          <p:cNvPicPr>
+            <a:picLocks noChangeAspect="1"/>
+          </p:cNvPicPr>
+          <p:nvPr/>
+        </p:nvPicPr>
+        <p:blipFill>
+          <a:blip r:embed="rId3"/>
+          <a:stretch>
+            <a:fillRect/>
+          </a:stretch>
+        </p:blipFill>
+        <p:spPr>
+          <a:xfrm>
+            <a:off x="8430273" y="3802793"/>
+            <a:ext cx="3273223" cy="1968357"/>
+          </a:xfrm>
+          <a:prstGeom prst="rect">
+            <a:avLst/>
+          </a:prstGeom>
+        </p:spPr>
+      </p:pic>
+      <p:pic>
+        <p:nvPicPr>
+          <p:cNvPr id="4" name="그림 3"/>
+          <p:cNvPicPr>
+            <a:picLocks noChangeAspect="1"/>
+          </p:cNvPicPr>
+          <p:nvPr/>
+        </p:nvPicPr>
+        <p:blipFill>
+          <a:blip r:embed="rId4"/>
+          <a:stretch>
+            <a:fillRect/>
+          </a:stretch>
+        </p:blipFill>
+        <p:spPr>
+          <a:xfrm>
+            <a:off x="5779765" y="1148125"/>
+            <a:ext cx="4139414" cy="1958432"/>
+          </a:xfrm>
+          <a:prstGeom prst="rect">
+            <a:avLst/>
+          </a:prstGeom>
+        </p:spPr>
+      </p:pic>
+      <p:pic>
+        <p:nvPicPr>
+          <p:cNvPr id="17" name="그림 16"/>
+          <p:cNvPicPr>
+            <a:picLocks noChangeAspect="1"/>
+          </p:cNvPicPr>
+          <p:nvPr/>
+        </p:nvPicPr>
+        <p:blipFill>
+          <a:blip r:embed="rId5"/>
+          <a:stretch>
+            <a:fillRect/>
+          </a:stretch>
+        </p:blipFill>
+        <p:spPr>
+          <a:xfrm>
+            <a:off x="333792" y="3802794"/>
+            <a:ext cx="3366338" cy="1968357"/>
+          </a:xfrm>
+          <a:prstGeom prst="rect">
+            <a:avLst/>
+          </a:prstGeom>
+        </p:spPr>
+      </p:pic>
+      <p:pic>
+        <p:nvPicPr>
+          <p:cNvPr id="18" name="그림 17"/>
+          <p:cNvPicPr>
+            <a:picLocks noChangeAspect="1"/>
+          </p:cNvPicPr>
+          <p:nvPr/>
+        </p:nvPicPr>
+        <p:blipFill>
+          <a:blip r:embed="rId6"/>
+          <a:stretch>
+            <a:fillRect/>
+          </a:stretch>
+        </p:blipFill>
+        <p:spPr>
+          <a:xfrm>
+            <a:off x="4083549" y="3802793"/>
+            <a:ext cx="4049191" cy="1968357"/>
+          </a:xfrm>
+          <a:prstGeom prst="rect">
+            <a:avLst/>
+          </a:prstGeom>
+        </p:spPr>
+      </p:pic>
+      <p:sp>
+        <p:nvSpPr>
+          <p:cNvPr id="30" name="TextBox 29"/>
+          <p:cNvSpPr txBox="1"/>
+          <p:nvPr/>
+        </p:nvSpPr>
+        <p:spPr>
+          <a:xfrm>
+            <a:off x="8401465" y="3433461"/>
+            <a:ext cx="1404167" cy="369332"/>
+          </a:xfrm>
+          <a:prstGeom prst="rect">
+            <a:avLst/>
+          </a:prstGeom>
+          <a:noFill/>
+        </p:spPr>
+        <p:txBody>
+          <a:bodyPr wrap="none" rtlCol="0">
+            <a:spAutoFit/>
+          </a:bodyPr>
+          <a:lstStyle/>
+          <a:p>
+            <a:r>
+              <a:rPr lang="en-US" altLang="ko-KR" dirty="0" err="1"/>
+              <a:t>order_items</a:t>
+            </a:r>
+            <a:endParaRPr lang="ko-KR" altLang="en-US" dirty="0"/>
+          </a:p>
+        </p:txBody>
+      </p:sp>
+      <p:sp>
+        <p:nvSpPr>
+          <p:cNvPr id="32" name="TextBox 31"/>
+          <p:cNvSpPr txBox="1"/>
+          <p:nvPr/>
+        </p:nvSpPr>
+        <p:spPr>
+          <a:xfrm>
+            <a:off x="5779765" y="784388"/>
+            <a:ext cx="846707" cy="369332"/>
+          </a:xfrm>
+          <a:prstGeom prst="rect">
+            <a:avLst/>
+          </a:prstGeom>
+          <a:noFill/>
+        </p:spPr>
+        <p:txBody>
+          <a:bodyPr wrap="none" rtlCol="0">
+            <a:spAutoFit/>
+          </a:bodyPr>
+          <a:lstStyle/>
+          <a:p>
+            <a:r>
+              <a:rPr lang="en-US" altLang="ko-KR" dirty="0"/>
+              <a:t>orders</a:t>
+            </a:r>
+            <a:endParaRPr lang="ko-KR" altLang="en-US" dirty="0"/>
+          </a:p>
+        </p:txBody>
+      </p:sp>
+      <p:sp>
+        <p:nvSpPr>
+          <p:cNvPr id="34" name="TextBox 33"/>
+          <p:cNvSpPr txBox="1"/>
+          <p:nvPr/>
+        </p:nvSpPr>
+        <p:spPr>
+          <a:xfrm>
+            <a:off x="301895" y="3433461"/>
+            <a:ext cx="1099916" cy="369332"/>
+          </a:xfrm>
+          <a:prstGeom prst="rect">
+            <a:avLst/>
+          </a:prstGeom>
+          <a:noFill/>
+        </p:spPr>
+        <p:txBody>
+          <a:bodyPr wrap="none" rtlCol="0">
+            <a:spAutoFit/>
+          </a:bodyPr>
+          <a:lstStyle/>
+          <a:p>
+            <a:r>
+              <a:rPr lang="en-US" altLang="ko-KR" dirty="0"/>
+              <a:t>products</a:t>
+            </a:r>
+            <a:endParaRPr lang="ko-KR" altLang="en-US" dirty="0"/>
+          </a:p>
+        </p:txBody>
+      </p:sp>
+      <p:sp>
+        <p:nvSpPr>
+          <p:cNvPr id="35" name="TextBox 34"/>
+          <p:cNvSpPr txBox="1"/>
+          <p:nvPr/>
+        </p:nvSpPr>
+        <p:spPr>
+          <a:xfrm>
+            <a:off x="4107904" y="3433461"/>
+            <a:ext cx="947632" cy="369332"/>
+          </a:xfrm>
+          <a:prstGeom prst="rect">
+            <a:avLst/>
+          </a:prstGeom>
+          <a:noFill/>
+        </p:spPr>
+        <p:txBody>
+          <a:bodyPr wrap="none" rtlCol="0">
+            <a:spAutoFit/>
+          </a:bodyPr>
+          <a:lstStyle/>
+          <a:p>
+            <a:r>
+              <a:rPr lang="en-US" altLang="ko-KR" dirty="0"/>
+              <a:t>reviews</a:t>
+            </a:r>
+            <a:endParaRPr lang="ko-KR" altLang="en-US" dirty="0"/>
+          </a:p>
+        </p:txBody>
+      </p:sp>
+      <p:sp>
+        <p:nvSpPr>
+          <p:cNvPr id="36" name="직사각형 35"/>
+          <p:cNvSpPr/>
+          <p:nvPr/>
+        </p:nvSpPr>
+        <p:spPr>
+          <a:xfrm>
+            <a:off x="646312" y="1148125"/>
+            <a:ext cx="802801" cy="304079"/>
+          </a:xfrm>
+          <a:prstGeom prst="rect">
+            <a:avLst/>
+          </a:prstGeom>
+          <a:noFill/>
+          <a:ln w="19050">
+            <a:solidFill>
+              <a:srgbClr val="00B0F0"/>
+            </a:solidFill>
+          </a:ln>
+        </p:spPr>
+        <p:style>
+          <a:lnRef idx="2">
+            <a:schemeClr val="accent1">
+              <a:shade val="50000"/>
+            </a:schemeClr>
+          </a:lnRef>
+          <a:fillRef idx="1">
+            <a:schemeClr val="accent1"/>
+          </a:fillRef>
+          <a:effectRef idx="0">
+            <a:schemeClr val="accent1"/>
+          </a:effectRef>
+          <a:fontRef idx="minor">
+            <a:schemeClr val="lt1"/>
+          </a:fontRef>
+        </p:style>
+        <p:txBody>
+          <a:bodyPr rtlCol="0" anchor="ctr"/>
+          <a:lstStyle/>
+          <a:p>
+            <a:pPr algn="ctr"/>
+            <a:endParaRPr lang="ko-KR" altLang="en-US">
+              <a:noFill/>
+            </a:endParaRPr>
+          </a:p>
+        </p:txBody>
+      </p:sp>
+      <p:sp>
+        <p:nvSpPr>
+          <p:cNvPr id="37" name="직사각형 36"/>
+          <p:cNvSpPr/>
+          <p:nvPr/>
+        </p:nvSpPr>
+        <p:spPr>
+          <a:xfrm>
+            <a:off x="6071463" y="1165133"/>
+            <a:ext cx="657949" cy="287072"/>
+          </a:xfrm>
+          <a:prstGeom prst="rect">
+            <a:avLst/>
+          </a:prstGeom>
+          <a:noFill/>
+          <a:ln w="19050">
+            <a:solidFill>
+              <a:srgbClr val="00B0F0"/>
+            </a:solidFill>
+          </a:ln>
+        </p:spPr>
+        <p:style>
+          <a:lnRef idx="2">
+            <a:schemeClr val="accent1">
+              <a:shade val="50000"/>
+            </a:schemeClr>
+          </a:lnRef>
+          <a:fillRef idx="1">
+            <a:schemeClr val="accent1"/>
+          </a:fillRef>
+          <a:effectRef idx="0">
+            <a:schemeClr val="accent1"/>
+          </a:effectRef>
+          <a:fontRef idx="minor">
+            <a:schemeClr val="lt1"/>
+          </a:fontRef>
+        </p:style>
+        <p:txBody>
+          <a:bodyPr rtlCol="0" anchor="ctr"/>
+          <a:lstStyle/>
+          <a:p>
+            <a:pPr algn="ctr"/>
+            <a:endParaRPr lang="ko-KR" altLang="en-US">
+              <a:noFill/>
+            </a:endParaRPr>
+          </a:p>
+        </p:txBody>
+      </p:sp>
+      <p:sp>
+        <p:nvSpPr>
+          <p:cNvPr id="38" name="직사각형 37"/>
+          <p:cNvSpPr/>
+          <p:nvPr/>
+        </p:nvSpPr>
+        <p:spPr>
+          <a:xfrm>
+            <a:off x="694085" y="3802793"/>
+            <a:ext cx="732081" cy="287072"/>
+          </a:xfrm>
+          <a:prstGeom prst="rect">
+            <a:avLst/>
+          </a:prstGeom>
+          <a:noFill/>
+          <a:ln w="19050">
+            <a:solidFill>
+              <a:srgbClr val="00B0F0"/>
+            </a:solidFill>
+          </a:ln>
+        </p:spPr>
+        <p:style>
+          <a:lnRef idx="2">
+            <a:schemeClr val="accent1">
+              <a:shade val="50000"/>
+            </a:schemeClr>
+          </a:lnRef>
+          <a:fillRef idx="1">
+            <a:schemeClr val="accent1"/>
+          </a:fillRef>
+          <a:effectRef idx="0">
+            <a:schemeClr val="accent1"/>
+          </a:effectRef>
+          <a:fontRef idx="minor">
+            <a:schemeClr val="lt1"/>
+          </a:fontRef>
+        </p:style>
+        <p:txBody>
+          <a:bodyPr rtlCol="0" anchor="ctr"/>
+          <a:lstStyle/>
+          <a:p>
+            <a:pPr algn="ctr"/>
+            <a:endParaRPr lang="ko-KR" altLang="en-US">
+              <a:noFill/>
+            </a:endParaRPr>
+          </a:p>
+        </p:txBody>
+      </p:sp>
+      <p:sp>
+        <p:nvSpPr>
+          <p:cNvPr id="39" name="직사각형 38"/>
+          <p:cNvSpPr/>
+          <p:nvPr/>
+        </p:nvSpPr>
+        <p:spPr>
+          <a:xfrm>
+            <a:off x="8751865" y="3833779"/>
+            <a:ext cx="881233" cy="287072"/>
+          </a:xfrm>
+          <a:prstGeom prst="rect">
+            <a:avLst/>
+          </a:prstGeom>
+          <a:noFill/>
+          <a:ln w="19050">
+            <a:solidFill>
+              <a:srgbClr val="00B0F0"/>
+            </a:solidFill>
+          </a:ln>
+        </p:spPr>
+        <p:style>
+          <a:lnRef idx="2">
+            <a:schemeClr val="accent1">
+              <a:shade val="50000"/>
+            </a:schemeClr>
+          </a:lnRef>
+          <a:fillRef idx="1">
+            <a:schemeClr val="accent1"/>
+          </a:fillRef>
+          <a:effectRef idx="0">
+            <a:schemeClr val="accent1"/>
+          </a:effectRef>
+          <a:fontRef idx="minor">
+            <a:schemeClr val="lt1"/>
+          </a:fontRef>
+        </p:style>
+        <p:txBody>
+          <a:bodyPr rtlCol="0" anchor="ctr"/>
+          <a:lstStyle/>
+          <a:p>
+            <a:pPr algn="ctr"/>
+            <a:endParaRPr lang="ko-KR" altLang="en-US">
+              <a:noFill/>
+            </a:endParaRPr>
+          </a:p>
+        </p:txBody>
+      </p:sp>
+      <p:sp>
+        <p:nvSpPr>
+          <p:cNvPr id="40" name="직사각형 39"/>
+          <p:cNvSpPr/>
+          <p:nvPr/>
+        </p:nvSpPr>
+        <p:spPr>
+          <a:xfrm>
+            <a:off x="4421942" y="3802793"/>
+            <a:ext cx="657949" cy="287072"/>
+          </a:xfrm>
+          <a:prstGeom prst="rect">
+            <a:avLst/>
+          </a:prstGeom>
+          <a:noFill/>
+          <a:ln w="19050">
+            <a:solidFill>
+              <a:srgbClr val="00B0F0"/>
+            </a:solidFill>
+          </a:ln>
+        </p:spPr>
+        <p:style>
+          <a:lnRef idx="2">
+            <a:schemeClr val="accent1">
+              <a:shade val="50000"/>
+            </a:schemeClr>
+          </a:lnRef>
+          <a:fillRef idx="1">
+            <a:schemeClr val="accent1"/>
+          </a:fillRef>
+          <a:effectRef idx="0">
+            <a:schemeClr val="accent1"/>
+          </a:effectRef>
+          <a:fontRef idx="minor">
+            <a:schemeClr val="lt1"/>
+          </a:fontRef>
+        </p:style>
+        <p:txBody>
+          <a:bodyPr rtlCol="0" anchor="ctr"/>
+          <a:lstStyle/>
+          <a:p>
+            <a:pPr algn="ctr"/>
+            <a:endParaRPr lang="ko-KR" altLang="en-US">
+              <a:noFill/>
+            </a:endParaRPr>
+          </a:p>
+        </p:txBody>
+      </p:sp>
+      <p:sp>
+        <p:nvSpPr>
+          <p:cNvPr id="41" name="직사각형 40"/>
+          <p:cNvSpPr/>
+          <p:nvPr/>
+        </p:nvSpPr>
+        <p:spPr>
+          <a:xfrm>
+            <a:off x="6777875" y="1165133"/>
+            <a:ext cx="738346" cy="301083"/>
+          </a:xfrm>
+          <a:prstGeom prst="rect">
+            <a:avLst/>
+          </a:prstGeom>
+          <a:noFill/>
+          <a:ln w="19050">
+            <a:solidFill>
+              <a:srgbClr val="E6AF00"/>
+            </a:solidFill>
+          </a:ln>
+        </p:spPr>
+        <p:style>
+          <a:lnRef idx="2">
+            <a:schemeClr val="accent1">
+              <a:shade val="50000"/>
+            </a:schemeClr>
+          </a:lnRef>
+          <a:fillRef idx="1">
+            <a:schemeClr val="accent1"/>
+          </a:fillRef>
+          <a:effectRef idx="0">
+            <a:schemeClr val="accent1"/>
+          </a:effectRef>
+          <a:fontRef idx="minor">
+            <a:schemeClr val="lt1"/>
+          </a:fontRef>
+        </p:style>
+        <p:txBody>
+          <a:bodyPr rtlCol="0" anchor="ctr"/>
+          <a:lstStyle/>
+          <a:p>
+            <a:pPr algn="ctr"/>
+            <a:endParaRPr lang="ko-KR" altLang="en-US">
+              <a:noFill/>
+            </a:endParaRPr>
+          </a:p>
+        </p:txBody>
+      </p:sp>
+      <p:sp>
+        <p:nvSpPr>
+          <p:cNvPr id="42" name="직사각형 41"/>
+          <p:cNvSpPr/>
+          <p:nvPr/>
+        </p:nvSpPr>
+        <p:spPr>
+          <a:xfrm>
+            <a:off x="9683171" y="3819768"/>
+            <a:ext cx="534717" cy="301083"/>
+          </a:xfrm>
+          <a:prstGeom prst="rect">
+            <a:avLst/>
+          </a:prstGeom>
+          <a:noFill/>
+          <a:ln w="19050">
+            <a:solidFill>
+              <a:srgbClr val="E6AF00"/>
+            </a:solidFill>
+          </a:ln>
+        </p:spPr>
+        <p:style>
+          <a:lnRef idx="2">
+            <a:schemeClr val="accent1">
+              <a:shade val="50000"/>
+            </a:schemeClr>
+          </a:lnRef>
+          <a:fillRef idx="1">
+            <a:schemeClr val="accent1"/>
+          </a:fillRef>
+          <a:effectRef idx="0">
+            <a:schemeClr val="accent1"/>
+          </a:effectRef>
+          <a:fontRef idx="minor">
+            <a:schemeClr val="lt1"/>
+          </a:fontRef>
+        </p:style>
+        <p:txBody>
+          <a:bodyPr rtlCol="0" anchor="ctr"/>
+          <a:lstStyle/>
+          <a:p>
+            <a:pPr algn="ctr"/>
+            <a:endParaRPr lang="ko-KR" altLang="en-US">
+              <a:noFill/>
+            </a:endParaRPr>
+          </a:p>
+        </p:txBody>
+      </p:sp>
+      <p:sp>
+        <p:nvSpPr>
+          <p:cNvPr id="43" name="직사각형 42"/>
+          <p:cNvSpPr/>
+          <p:nvPr/>
+        </p:nvSpPr>
+        <p:spPr>
+          <a:xfrm>
+            <a:off x="10319380" y="3812513"/>
+            <a:ext cx="685318" cy="301083"/>
+          </a:xfrm>
+          <a:prstGeom prst="rect">
+            <a:avLst/>
+          </a:prstGeom>
+          <a:noFill/>
+          <a:ln w="19050">
+            <a:solidFill>
+              <a:srgbClr val="E6AF00"/>
+            </a:solidFill>
+          </a:ln>
+        </p:spPr>
+        <p:style>
+          <a:lnRef idx="2">
+            <a:schemeClr val="accent1">
+              <a:shade val="50000"/>
+            </a:schemeClr>
+          </a:lnRef>
+          <a:fillRef idx="1">
+            <a:schemeClr val="accent1"/>
+          </a:fillRef>
+          <a:effectRef idx="0">
+            <a:schemeClr val="accent1"/>
+          </a:effectRef>
+          <a:fontRef idx="minor">
+            <a:schemeClr val="lt1"/>
+          </a:fontRef>
+        </p:style>
+        <p:txBody>
+          <a:bodyPr rtlCol="0" anchor="ctr"/>
+          <a:lstStyle/>
+          <a:p>
+            <a:pPr algn="ctr"/>
+            <a:endParaRPr lang="ko-KR" altLang="en-US">
+              <a:noFill/>
+            </a:endParaRPr>
+          </a:p>
+        </p:txBody>
+      </p:sp>
+      <p:sp>
+        <p:nvSpPr>
+          <p:cNvPr id="44" name="직사각형 43"/>
+          <p:cNvSpPr/>
+          <p:nvPr/>
+        </p:nvSpPr>
+        <p:spPr>
+          <a:xfrm>
+            <a:off x="5135762" y="3802793"/>
+            <a:ext cx="690879" cy="301083"/>
+          </a:xfrm>
+          <a:prstGeom prst="rect">
+            <a:avLst/>
+          </a:prstGeom>
+          <a:noFill/>
+          <a:ln w="19050">
+            <a:solidFill>
+              <a:srgbClr val="E6AF00"/>
+            </a:solidFill>
+          </a:ln>
+        </p:spPr>
+        <p:style>
+          <a:lnRef idx="2">
+            <a:schemeClr val="accent1">
+              <a:shade val="50000"/>
+            </a:schemeClr>
+          </a:lnRef>
+          <a:fillRef idx="1">
+            <a:schemeClr val="accent1"/>
+          </a:fillRef>
+          <a:effectRef idx="0">
+            <a:schemeClr val="accent1"/>
+          </a:effectRef>
+          <a:fontRef idx="minor">
+            <a:schemeClr val="lt1"/>
+          </a:fontRef>
+        </p:style>
+        <p:txBody>
+          <a:bodyPr rtlCol="0" anchor="ctr"/>
+          <a:lstStyle/>
+          <a:p>
+            <a:pPr algn="ctr"/>
+            <a:endParaRPr lang="ko-KR" altLang="en-US">
+              <a:noFill/>
+            </a:endParaRPr>
+          </a:p>
+        </p:txBody>
+      </p:sp>
+      <p:sp>
+        <p:nvSpPr>
+          <p:cNvPr id="45" name="직사각형 44"/>
+          <p:cNvSpPr/>
+          <p:nvPr/>
+        </p:nvSpPr>
+        <p:spPr>
+          <a:xfrm>
+            <a:off x="5908681" y="3803573"/>
+            <a:ext cx="768566" cy="301083"/>
+          </a:xfrm>
+          <a:prstGeom prst="rect">
+            <a:avLst/>
+          </a:prstGeom>
+          <a:noFill/>
+          <a:ln w="19050">
+            <a:solidFill>
+              <a:srgbClr val="E6AF00"/>
+            </a:solidFill>
+          </a:ln>
+        </p:spPr>
+        <p:style>
+          <a:lnRef idx="2">
+            <a:schemeClr val="accent1">
+              <a:shade val="50000"/>
+            </a:schemeClr>
+          </a:lnRef>
+          <a:fillRef idx="1">
+            <a:schemeClr val="accent1"/>
+          </a:fillRef>
+          <a:effectRef idx="0">
+            <a:schemeClr val="accent1"/>
+          </a:effectRef>
+          <a:fontRef idx="minor">
+            <a:schemeClr val="lt1"/>
+          </a:fontRef>
+        </p:style>
+        <p:txBody>
+          <a:bodyPr rtlCol="0" anchor="ctr"/>
+          <a:lstStyle/>
+          <a:p>
+            <a:pPr algn="ctr"/>
+            <a:endParaRPr lang="ko-KR" altLang="en-US">
+              <a:noFill/>
+            </a:endParaRPr>
+          </a:p>
+        </p:txBody>
+      </p:sp>
+      <p:sp>
+        <p:nvSpPr>
+          <p:cNvPr id="22" name="자유형 21"/>
+          <p:cNvSpPr/>
+          <p:nvPr/>
+        </p:nvSpPr>
+        <p:spPr>
+          <a:xfrm>
+            <a:off x="1488558" y="414664"/>
+            <a:ext cx="5719066" cy="747744"/>
+          </a:xfrm>
+          <a:custGeom>
+            <a:avLst/>
+            <a:gdLst>
+              <a:gd name="connsiteX0" fmla="*/ 5103628 w 5103628"/>
+              <a:gd name="connsiteY0" fmla="*/ 701755 h 712387"/>
+              <a:gd name="connsiteX1" fmla="*/ 3678865 w 5103628"/>
+              <a:gd name="connsiteY1" fmla="*/ 6 h 712387"/>
+              <a:gd name="connsiteX2" fmla="*/ 0 w 5103628"/>
+              <a:gd name="connsiteY2" fmla="*/ 712387 h 712387"/>
+            </a:gdLst>
+            <a:ahLst/>
+            <a:cxnLst>
+              <a:cxn ang="0">
+                <a:pos x="connsiteX0" y="connsiteY0"/>
+              </a:cxn>
+              <a:cxn ang="0">
+                <a:pos x="connsiteX1" y="connsiteY1"/>
+              </a:cxn>
+              <a:cxn ang="0">
+                <a:pos x="connsiteX2" y="connsiteY2"/>
+              </a:cxn>
+            </a:cxnLst>
+            <a:rect l="l" t="t" r="r" b="b"/>
+            <a:pathLst>
+              <a:path w="5103628" h="712387">
+                <a:moveTo>
+                  <a:pt x="5103628" y="701755"/>
+                </a:moveTo>
+                <a:cubicBezTo>
+                  <a:pt x="4816549" y="349994"/>
+                  <a:pt x="4529470" y="-1766"/>
+                  <a:pt x="3678865" y="6"/>
+                </a:cubicBezTo>
+                <a:cubicBezTo>
+                  <a:pt x="2828260" y="1778"/>
+                  <a:pt x="490870" y="547582"/>
+                  <a:pt x="0" y="712387"/>
+                </a:cubicBezTo>
+              </a:path>
+            </a:pathLst>
+          </a:custGeom>
+          <a:noFill/>
+          <a:ln>
+            <a:solidFill>
+              <a:srgbClr val="00B0F0"/>
+            </a:solidFill>
+            <a:headEnd type="none"/>
+            <a:tailEnd type="triangle" w="lg" len="lg"/>
+          </a:ln>
+        </p:spPr>
+        <p:style>
+          <a:lnRef idx="2">
+            <a:schemeClr val="accent1">
+              <a:shade val="50000"/>
+            </a:schemeClr>
+          </a:lnRef>
+          <a:fillRef idx="1">
+            <a:schemeClr val="accent1"/>
+          </a:fillRef>
+          <a:effectRef idx="0">
+            <a:schemeClr val="accent1"/>
+          </a:effectRef>
+          <a:fontRef idx="minor">
+            <a:schemeClr val="lt1"/>
+          </a:fontRef>
+        </p:style>
+        <p:txBody>
+          <a:bodyPr rtlCol="0" anchor="ctr"/>
+          <a:lstStyle/>
+          <a:p>
+            <a:pPr algn="ctr"/>
+            <a:endParaRPr lang="ko-KR" altLang="en-US"/>
+          </a:p>
+        </p:txBody>
+      </p:sp>
+      <p:cxnSp>
+        <p:nvCxnSpPr>
+          <p:cNvPr id="50" name="직선 화살표 연결선 49"/>
+          <p:cNvCxnSpPr>
+            <a:stCxn id="3" idx="0"/>
+          </p:cNvCxnSpPr>
+          <p:nvPr/>
+        </p:nvCxnSpPr>
+        <p:spPr>
+          <a:xfrm flipH="1" flipV="1">
+            <a:off x="6549240" y="1526146"/>
+            <a:ext cx="3517645" cy="2276647"/>
+          </a:xfrm>
+          <a:prstGeom prst="straightConnector1">
+            <a:avLst/>
+          </a:prstGeom>
+          <a:ln>
+            <a:solidFill>
+              <a:srgbClr val="00B0F0"/>
+            </a:solidFill>
+            <a:headEnd type="none" w="lg" len="lg"/>
+            <a:tailEnd type="triangle" w="lg" len="lg"/>
+          </a:ln>
+        </p:spPr>
+        <p:style>
+          <a:lnRef idx="1">
+            <a:schemeClr val="accent1"/>
+          </a:lnRef>
+          <a:fillRef idx="0">
+            <a:schemeClr val="accent1"/>
+          </a:fillRef>
+          <a:effectRef idx="0">
+            <a:schemeClr val="accent1"/>
+          </a:effectRef>
+          <a:fontRef idx="minor">
+            <a:schemeClr val="tx1"/>
+          </a:fontRef>
+        </p:style>
+      </p:cxnSp>
+      <p:sp>
+        <p:nvSpPr>
+          <p:cNvPr id="52" name="자유형 51"/>
+          <p:cNvSpPr/>
+          <p:nvPr/>
+        </p:nvSpPr>
+        <p:spPr>
+          <a:xfrm>
+            <a:off x="987490" y="4074459"/>
+            <a:ext cx="9595345" cy="2377407"/>
+          </a:xfrm>
+          <a:custGeom>
+            <a:avLst/>
+            <a:gdLst>
+              <a:gd name="connsiteX0" fmla="*/ 9595345 w 9595345"/>
+              <a:gd name="connsiteY0" fmla="*/ 0 h 2551661"/>
+              <a:gd name="connsiteX1" fmla="*/ 8116169 w 9595345"/>
+              <a:gd name="connsiteY1" fmla="*/ 2393576 h 2551661"/>
+              <a:gd name="connsiteX2" fmla="*/ 1123698 w 9595345"/>
+              <a:gd name="connsiteY2" fmla="*/ 2070847 h 2551661"/>
+              <a:gd name="connsiteX3" fmla="*/ 101722 w 9595345"/>
+              <a:gd name="connsiteY3" fmla="*/ 13447 h 2551661"/>
+            </a:gdLst>
+            <a:ahLst/>
+            <a:cxnLst>
+              <a:cxn ang="0">
+                <a:pos x="connsiteX0" y="connsiteY0"/>
+              </a:cxn>
+              <a:cxn ang="0">
+                <a:pos x="connsiteX1" y="connsiteY1"/>
+              </a:cxn>
+              <a:cxn ang="0">
+                <a:pos x="connsiteX2" y="connsiteY2"/>
+              </a:cxn>
+              <a:cxn ang="0">
+                <a:pos x="connsiteX3" y="connsiteY3"/>
+              </a:cxn>
+            </a:cxnLst>
+            <a:rect l="l" t="t" r="r" b="b"/>
+            <a:pathLst>
+              <a:path w="9595345" h="2551661">
+                <a:moveTo>
+                  <a:pt x="9595345" y="0"/>
+                </a:moveTo>
+                <a:cubicBezTo>
+                  <a:pt x="9561727" y="1024217"/>
+                  <a:pt x="9528110" y="2048435"/>
+                  <a:pt x="8116169" y="2393576"/>
+                </a:cubicBezTo>
+                <a:cubicBezTo>
+                  <a:pt x="6704228" y="2738717"/>
+                  <a:pt x="2459439" y="2467535"/>
+                  <a:pt x="1123698" y="2070847"/>
+                </a:cubicBezTo>
+                <a:cubicBezTo>
+                  <a:pt x="-212043" y="1674159"/>
+                  <a:pt x="-55161" y="843803"/>
+                  <a:pt x="101722" y="13447"/>
+                </a:cubicBezTo>
+              </a:path>
+            </a:pathLst>
+          </a:custGeom>
+          <a:noFill/>
+          <a:ln>
+            <a:solidFill>
+              <a:srgbClr val="00B0F0"/>
+            </a:solidFill>
+            <a:tailEnd type="triangle" w="lg" len="lg"/>
+          </a:ln>
+        </p:spPr>
+        <p:style>
+          <a:lnRef idx="2">
+            <a:schemeClr val="accent1">
+              <a:shade val="50000"/>
+            </a:schemeClr>
+          </a:lnRef>
+          <a:fillRef idx="1">
+            <a:schemeClr val="accent1"/>
+          </a:fillRef>
+          <a:effectRef idx="0">
+            <a:schemeClr val="accent1"/>
+          </a:effectRef>
+          <a:fontRef idx="minor">
+            <a:schemeClr val="lt1"/>
+          </a:fontRef>
+        </p:style>
+        <p:txBody>
+          <a:bodyPr rtlCol="0" anchor="ctr"/>
+          <a:lstStyle/>
+          <a:p>
+            <a:pPr algn="ctr"/>
+            <a:endParaRPr lang="ko-KR" altLang="en-US"/>
+          </a:p>
+        </p:txBody>
+      </p:sp>
+      <p:sp>
+        <p:nvSpPr>
+          <p:cNvPr id="53" name="자유형 52"/>
+          <p:cNvSpPr/>
+          <p:nvPr/>
+        </p:nvSpPr>
+        <p:spPr>
+          <a:xfrm>
+            <a:off x="1425388" y="3361247"/>
+            <a:ext cx="4086936" cy="430823"/>
+          </a:xfrm>
+          <a:custGeom>
+            <a:avLst/>
+            <a:gdLst>
+              <a:gd name="connsiteX0" fmla="*/ 4034118 w 4086936"/>
+              <a:gd name="connsiteY0" fmla="*/ 524450 h 524450"/>
+              <a:gd name="connsiteX1" fmla="*/ 3523130 w 4086936"/>
+              <a:gd name="connsiteY1" fmla="*/ 14 h 524450"/>
+              <a:gd name="connsiteX2" fmla="*/ 0 w 4086936"/>
+              <a:gd name="connsiteY2" fmla="*/ 511003 h 524450"/>
+            </a:gdLst>
+            <a:ahLst/>
+            <a:cxnLst>
+              <a:cxn ang="0">
+                <a:pos x="connsiteX0" y="connsiteY0"/>
+              </a:cxn>
+              <a:cxn ang="0">
+                <a:pos x="connsiteX1" y="connsiteY1"/>
+              </a:cxn>
+              <a:cxn ang="0">
+                <a:pos x="connsiteX2" y="connsiteY2"/>
+              </a:cxn>
+            </a:cxnLst>
+            <a:rect l="l" t="t" r="r" b="b"/>
+            <a:pathLst>
+              <a:path w="4086936" h="524450">
+                <a:moveTo>
+                  <a:pt x="4034118" y="524450"/>
+                </a:moveTo>
+                <a:cubicBezTo>
+                  <a:pt x="4114800" y="263352"/>
+                  <a:pt x="4195483" y="2255"/>
+                  <a:pt x="3523130" y="14"/>
+                </a:cubicBezTo>
+                <a:cubicBezTo>
+                  <a:pt x="2850777" y="-2227"/>
+                  <a:pt x="1425388" y="254388"/>
+                  <a:pt x="0" y="511003"/>
+                </a:cubicBezTo>
+              </a:path>
+            </a:pathLst>
+          </a:custGeom>
+          <a:noFill/>
+          <a:ln>
+            <a:solidFill>
+              <a:srgbClr val="00B0F0"/>
+            </a:solidFill>
+            <a:tailEnd type="triangle" w="lg" len="lg"/>
+          </a:ln>
+        </p:spPr>
+        <p:style>
+          <a:lnRef idx="2">
+            <a:schemeClr val="accent1">
+              <a:shade val="50000"/>
+            </a:schemeClr>
+          </a:lnRef>
+          <a:fillRef idx="1">
+            <a:schemeClr val="accent1"/>
+          </a:fillRef>
+          <a:effectRef idx="0">
+            <a:schemeClr val="accent1"/>
+          </a:effectRef>
+          <a:fontRef idx="minor">
+            <a:schemeClr val="lt1"/>
+          </a:fontRef>
+        </p:style>
+        <p:txBody>
+          <a:bodyPr rtlCol="0" anchor="ctr"/>
+          <a:lstStyle/>
+          <a:p>
+            <a:pPr algn="ctr"/>
+            <a:endParaRPr lang="ko-KR" altLang="en-US"/>
+          </a:p>
+        </p:txBody>
+      </p:sp>
+      <p:sp>
+        <p:nvSpPr>
+          <p:cNvPr id="57" name="자유형 56"/>
+          <p:cNvSpPr/>
+          <p:nvPr/>
+        </p:nvSpPr>
+        <p:spPr>
+          <a:xfrm>
+            <a:off x="1264024" y="1506071"/>
+            <a:ext cx="5183724" cy="2299447"/>
+          </a:xfrm>
+          <a:custGeom>
+            <a:avLst/>
+            <a:gdLst>
+              <a:gd name="connsiteX0" fmla="*/ 5177117 w 5183724"/>
+              <a:gd name="connsiteY0" fmla="*/ 2299447 h 2299447"/>
+              <a:gd name="connsiteX1" fmla="*/ 4356847 w 5183724"/>
+              <a:gd name="connsiteY1" fmla="*/ 1721223 h 2299447"/>
+              <a:gd name="connsiteX2" fmla="*/ 0 w 5183724"/>
+              <a:gd name="connsiteY2" fmla="*/ 0 h 2299447"/>
+            </a:gdLst>
+            <a:ahLst/>
+            <a:cxnLst>
+              <a:cxn ang="0">
+                <a:pos x="connsiteX0" y="connsiteY0"/>
+              </a:cxn>
+              <a:cxn ang="0">
+                <a:pos x="connsiteX1" y="connsiteY1"/>
+              </a:cxn>
+              <a:cxn ang="0">
+                <a:pos x="connsiteX2" y="connsiteY2"/>
+              </a:cxn>
+            </a:cxnLst>
+            <a:rect l="l" t="t" r="r" b="b"/>
+            <a:pathLst>
+              <a:path w="5183724" h="2299447">
+                <a:moveTo>
+                  <a:pt x="5177117" y="2299447"/>
+                </a:moveTo>
+                <a:cubicBezTo>
+                  <a:pt x="5198408" y="2201955"/>
+                  <a:pt x="5219700" y="2104464"/>
+                  <a:pt x="4356847" y="1721223"/>
+                </a:cubicBezTo>
+                <a:cubicBezTo>
+                  <a:pt x="3493994" y="1337982"/>
+                  <a:pt x="591671" y="262218"/>
+                  <a:pt x="0" y="0"/>
+                </a:cubicBezTo>
+              </a:path>
+            </a:pathLst>
+          </a:custGeom>
+          <a:noFill/>
+          <a:ln>
+            <a:solidFill>
+              <a:srgbClr val="00B0F0"/>
+            </a:solidFill>
+            <a:tailEnd type="triangle" w="lg" len="lg"/>
+          </a:ln>
+        </p:spPr>
+        <p:style>
+          <a:lnRef idx="2">
+            <a:schemeClr val="accent1">
+              <a:shade val="50000"/>
+            </a:schemeClr>
+          </a:lnRef>
+          <a:fillRef idx="1">
+            <a:schemeClr val="accent1"/>
+          </a:fillRef>
+          <a:effectRef idx="0">
+            <a:schemeClr val="accent1"/>
+          </a:effectRef>
+          <a:fontRef idx="minor">
+            <a:schemeClr val="lt1"/>
+          </a:fontRef>
+        </p:style>
+        <p:txBody>
+          <a:bodyPr rtlCol="0" anchor="ctr"/>
+          <a:lstStyle/>
+          <a:p>
+            <a:pPr algn="ctr"/>
+            <a:endParaRPr lang="ko-KR" altLang="en-US"/>
+          </a:p>
+        </p:txBody>
+      </p:sp>
+    </p:spTree>
+    <p:extLst>
+      <p:ext uri="{BB962C8B-B14F-4D97-AF65-F5344CB8AC3E}">
+        <p14:creationId xmlns:p14="http://schemas.microsoft.com/office/powerpoint/2010/main" val="751422728"/>
       </p:ext>
     </p:extLst>
   </p:cSld>
